--- a/dash_app/assets/logo.pptx
+++ b/dash_app/assets/logo.pptx
@@ -44000,90 +44000,6 @@
           </a:p>
         </p:txBody>
       </p:sp>
-      <p:sp>
-        <p:nvSpPr>
-          <p:cNvPr id="737" name="Rectangle 736">
-            <a:extLst>
-              <a:ext uri="{FF2B5EF4-FFF2-40B4-BE49-F238E27FC236}">
-                <a16:creationId xmlns:a16="http://schemas.microsoft.com/office/drawing/2014/main" id="{50F95531-5EBB-DF43-982E-16FB82AB9613}"/>
-              </a:ext>
-            </a:extLst>
-          </p:cNvPr>
-          <p:cNvSpPr/>
-          <p:nvPr/>
-        </p:nvSpPr>
-        <p:spPr>
-          <a:xfrm>
-            <a:off x="7788166" y="1802130"/>
-            <a:ext cx="2638096" cy="3374538"/>
-          </a:xfrm>
-          <a:prstGeom prst="rect">
-            <a:avLst/>
-          </a:prstGeom>
-          <a:noFill/>
-          <a:ln>
-            <a:solidFill>
-              <a:schemeClr val="bg1"/>
-            </a:solidFill>
-          </a:ln>
-        </p:spPr>
-        <p:style>
-          <a:lnRef idx="2">
-            <a:schemeClr val="accent1">
-              <a:shade val="50000"/>
-            </a:schemeClr>
-          </a:lnRef>
-          <a:fillRef idx="1">
-            <a:schemeClr val="accent1"/>
-          </a:fillRef>
-          <a:effectRef idx="0">
-            <a:schemeClr val="accent1"/>
-          </a:effectRef>
-          <a:fontRef idx="minor">
-            <a:schemeClr val="lt1"/>
-          </a:fontRef>
-        </p:style>
-        <p:txBody>
-          <a:bodyPr rtlCol="0" anchor="ctr"/>
-          <a:lstStyle/>
-          <a:p>
-            <a:pPr algn="ctr"/>
-            <a:endParaRPr lang="en-US" sz="1600" dirty="0"/>
-          </a:p>
-        </p:txBody>
-      </p:sp>
-      <p:sp>
-        <p:nvSpPr>
-          <p:cNvPr id="741" name="TextBox 740">
-            <a:extLst>
-              <a:ext uri="{FF2B5EF4-FFF2-40B4-BE49-F238E27FC236}">
-                <a16:creationId xmlns:a16="http://schemas.microsoft.com/office/drawing/2014/main" id="{1277374D-62D9-3F4E-83B4-2E550606D98D}"/>
-              </a:ext>
-            </a:extLst>
-          </p:cNvPr>
-          <p:cNvSpPr txBox="1"/>
-          <p:nvPr/>
-        </p:nvSpPr>
-        <p:spPr>
-          <a:xfrm>
-            <a:off x="9007366" y="5023945"/>
-            <a:ext cx="184731" cy="369332"/>
-          </a:xfrm>
-          <a:prstGeom prst="rect">
-            <a:avLst/>
-          </a:prstGeom>
-          <a:noFill/>
-        </p:spPr>
-        <p:txBody>
-          <a:bodyPr wrap="none" rtlCol="0">
-            <a:spAutoFit/>
-          </a:bodyPr>
-          <a:lstStyle/>
-          <a:p>
-            <a:endParaRPr lang="en-US" dirty="0"/>
-          </a:p>
-        </p:txBody>
-      </p:sp>
     </p:spTree>
     <p:extLst>
       <p:ext uri="{BB962C8B-B14F-4D97-AF65-F5344CB8AC3E}">
